--- a/CMPE 321.01 (Computer Architecture)/labs/lab-03.pptx
+++ b/CMPE 321.01 (Computer Architecture)/labs/lab-03.pptx
@@ -134,6 +134,34 @@
 </p:presentation>
 </file>
 
+<file path=ppt/ink/ink1.xml><?xml version="1.0" encoding="utf-8"?>
+<inkml:ink xmlns:inkml="http://www.w3.org/2003/InkML">
+  <inkml:definitions>
+    <inkml:context xml:id="ctx0">
+      <inkml:inkSource xml:id="inkSrc0">
+        <inkml:traceFormat>
+          <inkml:channel name="X" type="integer" min="-2.14748E9" max="2.14748E9" units="cm"/>
+          <inkml:channel name="Y" type="integer" min="-2.14748E9" max="2.14748E9" units="cm"/>
+        </inkml:traceFormat>
+        <inkml:channelProperties>
+          <inkml:channelProperty channel="X" name="resolution" value="1000" units="1/cm"/>
+          <inkml:channelProperty channel="Y" name="resolution" value="1000" units="1/cm"/>
+        </inkml:channelProperties>
+      </inkml:inkSource>
+      <inkml:timestamp xml:id="ts0" timeString="2018-11-11T18:53:37.180"/>
+    </inkml:context>
+    <inkml:brush xml:id="br0">
+      <inkml:brushProperty name="width" value="0.3" units="cm"/>
+      <inkml:brushProperty name="height" value="0.6" units="cm"/>
+      <inkml:brushProperty name="color" value="#FF2500"/>
+      <inkml:brushProperty name="tip" value="rectangle"/>
+      <inkml:brushProperty name="rasterOp" value="maskPen"/>
+    </inkml:brush>
+  </inkml:definitions>
+  <inkml:trace contextRef="#ctx0" brushRef="#br0">943 3312,'147'-119,"-84"71,3-3,3 0,7-6,2-1,6-2,-6 6,4-1,3-2,0 1,-13 8,1-1,0 1,2-1,1-2,-7 5,2-1,1-1,0 0,-2 2,-3 1,16-10,-4 3,-1 0,4-3,-2 1,4-3,1 0,-2 1,-5 4,-3 3,-4 5,-1 0,5-3,-2-1,5-3,1 0,-3 1,-4 6,16-7,-5 5,0-2,-17 6,1-4,-3 4,-8 7,1 8,-2 2,25-24,-1 1,8 7,-39 17,-1 0,18-7,-30 10,-9 11,-18 1,-73 29,24-9,-27 11,-7 2,26-8,0-1,-30 8,-5 1,-6 1,-4 0,17-5,-4-1,-3 0,12-4,-2 1,-1-1,-2 0,-7 1,-1 0,-2 0,-1-1,-4 0,-2-1,0 0,-1 0,-1 1,-2 0,1 0,-1-1,1-1,-1-1,1 0,0 0,2 0,-1 1,2-1,4-2,-5 0,5-1,-2-1,-9 1,-1 0,12-1,21-1,4-1,-2-1,-4-1,6 1,6 1,4 0,-10 1,2-1,-28 5,30-5,21-2,16-4,12 3,44 15,-12-8,37 20,-8-4,20 25,-25-19,3 3,11 9,1 4,4 10,2 4,-11-15,3 2,0 2,0 6,-1 3,2 1,7 6,2 3,-5-3,-13-14,-3-2,1 3,12 15,3 4,-3-3,-10-13,-1-1,0 1,8 12,1 2,0 0,1-2,0 0,-2 0,-6-5,-2 0,0-1,-1 0,1 0,-2 0,-2-4,-1-1,0 2,-2 0,-1 1,0-1,0-5,-1-1,0 0,17 28,-2-3,-12-20,-2-3,-2 1,-2-3,14 19,-5 4,-5-16,-17-20,-2-8,-10-17,0-2,-25-62,-2-2,-4-23,-2-11,2 7,0-5,5 3,2-6,0-1,-1-3,0-1,2-4,2 12,0-3,1-2,1 1,0-5,1-1,0 1,0 4,-2-12,0 5,1-4,3 15,0-4,1 2,0 4,1-1,1 3,-1-2,-3-16,1-3,0 1,4 9,1 1,-1 1,-3 3,-2 0,2 3,3 8,1 2,-1 0,-3 1,-2-1,2 3,3-23,1 4,-4 23,1 1,3-6,0 4,0-22,0 34,0 1,0-31,0 18,0 15,0 15,0 3,0 17,0-1,0 3,0-1,0-8,0 7,0-5,0 6,0-2,-31 58,15-18,-31 57,21-14,-3-13,-4 8,1 1,-1 6,-4 3,-8 10,-5 3,-1 5,13-22,-1 5,-1 2,0 0,-1 1,-3 1,0 1,-1 1,-1 1,-1 3,4-6,-1 3,0 1,-1 1,0 0,-1 0,-3 3,-2 1,0 1,1-1,0-1,3-2,-2 3,2-2,2-1,-1 0,-2 3,2-3,-2 3,-1 0,1 1,1-3,2-3,1-1,2-3,1-2,0 1,-2 3,2-4,-1 3,-1 1,1 0,0-3,3-3,-6 11,2-5,1-1,-1 1,-3 6,-2 1,2-2,5-7,3-4,4-7,-1 1,-1 2,-1 0,1-2,2-5,0-1,3-6,3-6,1-3,-7 12,1-3,-12 17,10-17,14-20,9-10,4-9,2-5,3-4</inkml:trace>
+</inkml:ink>
+</file>
+
 <file path=ppt/notesMasters/notesMaster1.xml><?xml version="1.0" encoding="utf-8"?>
 <p:notesMaster xmlns:a="http://schemas.openxmlformats.org/drawingml/2006/main" xmlns:r="http://schemas.openxmlformats.org/officeDocument/2006/relationships" xmlns:p="http://schemas.openxmlformats.org/presentationml/2006/main">
   <p:cSld>
@@ -216,7 +244,7 @@
           <a:p>
             <a:fld id="{73A652D5-EDA8-4102-82D6-031C26B782CF}" type="datetimeFigureOut">
               <a:rPr lang="tr-TR" smtClean="0"/>
-              <a:t>2.10.2018</a:t>
+              <a:t>11.11.2018</a:t>
             </a:fld>
             <a:endParaRPr lang="tr-TR"/>
           </a:p>
@@ -813,7 +841,7 @@
           <a:p>
             <a:fld id="{686F728D-F992-47BD-960D-14696D1F2247}" type="datetimeFigureOut">
               <a:rPr lang="tr-TR" smtClean="0"/>
-              <a:t>2.10.2018</a:t>
+              <a:t>11.11.2018</a:t>
             </a:fld>
             <a:endParaRPr lang="tr-TR"/>
           </a:p>
@@ -1143,7 +1171,7 @@
           <a:p>
             <a:fld id="{686F728D-F992-47BD-960D-14696D1F2247}" type="datetimeFigureOut">
               <a:rPr lang="tr-TR" smtClean="0"/>
-              <a:t>2.10.2018</a:t>
+              <a:t>11.11.2018</a:t>
             </a:fld>
             <a:endParaRPr lang="tr-TR"/>
           </a:p>
@@ -1323,7 +1351,7 @@
           <a:p>
             <a:fld id="{686F728D-F992-47BD-960D-14696D1F2247}" type="datetimeFigureOut">
               <a:rPr lang="tr-TR" smtClean="0"/>
-              <a:t>2.10.2018</a:t>
+              <a:t>11.11.2018</a:t>
             </a:fld>
             <a:endParaRPr lang="tr-TR"/>
           </a:p>
@@ -1493,7 +1521,7 @@
           <a:p>
             <a:fld id="{686F728D-F992-47BD-960D-14696D1F2247}" type="datetimeFigureOut">
               <a:rPr lang="tr-TR" smtClean="0"/>
-              <a:t>2.10.2018</a:t>
+              <a:t>11.11.2018</a:t>
             </a:fld>
             <a:endParaRPr lang="tr-TR"/>
           </a:p>
@@ -1765,7 +1793,7 @@
           <a:p>
             <a:fld id="{686F728D-F992-47BD-960D-14696D1F2247}" type="datetimeFigureOut">
               <a:rPr lang="tr-TR" smtClean="0"/>
-              <a:t>2.10.2018</a:t>
+              <a:t>11.11.2018</a:t>
             </a:fld>
             <a:endParaRPr lang="tr-TR"/>
           </a:p>
@@ -2159,7 +2187,7 @@
           <a:p>
             <a:fld id="{686F728D-F992-47BD-960D-14696D1F2247}" type="datetimeFigureOut">
               <a:rPr lang="tr-TR" smtClean="0"/>
-              <a:t>2.10.2018</a:t>
+              <a:t>11.11.2018</a:t>
             </a:fld>
             <a:endParaRPr lang="tr-TR"/>
           </a:p>
@@ -2636,7 +2664,7 @@
           <a:p>
             <a:fld id="{686F728D-F992-47BD-960D-14696D1F2247}" type="datetimeFigureOut">
               <a:rPr lang="tr-TR" smtClean="0"/>
-              <a:t>2.10.2018</a:t>
+              <a:t>11.11.2018</a:t>
             </a:fld>
             <a:endParaRPr lang="tr-TR"/>
           </a:p>
@@ -2754,7 +2782,7 @@
           <a:p>
             <a:fld id="{686F728D-F992-47BD-960D-14696D1F2247}" type="datetimeFigureOut">
               <a:rPr lang="tr-TR" smtClean="0"/>
-              <a:t>2.10.2018</a:t>
+              <a:t>11.11.2018</a:t>
             </a:fld>
             <a:endParaRPr lang="tr-TR"/>
           </a:p>
@@ -2849,7 +2877,7 @@
           <a:p>
             <a:fld id="{686F728D-F992-47BD-960D-14696D1F2247}" type="datetimeFigureOut">
               <a:rPr lang="tr-TR" smtClean="0"/>
-              <a:t>2.10.2018</a:t>
+              <a:t>11.11.2018</a:t>
             </a:fld>
             <a:endParaRPr lang="tr-TR"/>
           </a:p>
@@ -3195,7 +3223,7 @@
           <a:p>
             <a:fld id="{686F728D-F992-47BD-960D-14696D1F2247}" type="datetimeFigureOut">
               <a:rPr lang="tr-TR" smtClean="0"/>
-              <a:t>2.10.2018</a:t>
+              <a:t>11.11.2018</a:t>
             </a:fld>
             <a:endParaRPr lang="tr-TR"/>
           </a:p>
@@ -3583,7 +3611,7 @@
           <a:p>
             <a:fld id="{686F728D-F992-47BD-960D-14696D1F2247}" type="datetimeFigureOut">
               <a:rPr lang="tr-TR" smtClean="0"/>
-              <a:t>2.10.2018</a:t>
+              <a:t>11.11.2018</a:t>
             </a:fld>
             <a:endParaRPr lang="tr-TR"/>
           </a:p>
@@ -3858,7 +3886,7 @@
           <a:p>
             <a:fld id="{686F728D-F992-47BD-960D-14696D1F2247}" type="datetimeFigureOut">
               <a:rPr lang="tr-TR" smtClean="0"/>
-              <a:t>2.10.2018</a:t>
+              <a:t>11.11.2018</a:t>
             </a:fld>
             <a:endParaRPr lang="tr-TR"/>
           </a:p>
@@ -6104,6 +6132,57 @@
           </a:prstGeom>
         </p:spPr>
       </p:pic>
+      <mc:AlternateContent xmlns:mc="http://schemas.openxmlformats.org/markup-compatibility/2006">
+        <mc:Choice xmlns:p14="http://schemas.microsoft.com/office/powerpoint/2010/main" Requires="p14">
+          <p:contentPart p14:bwMode="auto" r:id="rId3">
+            <p14:nvContentPartPr>
+              <p14:cNvPr id="6" name="Ink 5">
+                <a:extLst>
+                  <a:ext uri="{FF2B5EF4-FFF2-40B4-BE49-F238E27FC236}">
+                    <a16:creationId xmlns:a16="http://schemas.microsoft.com/office/drawing/2014/main" id="{82912C09-1590-FD4C-A017-904D6A5A0DB1}"/>
+                  </a:ext>
+                </a:extLst>
+              </p14:cNvPr>
+              <p14:cNvContentPartPr/>
+              <p14:nvPr/>
+            </p14:nvContentPartPr>
+            <p14:xfrm>
+              <a:off x="288423" y="70039"/>
+              <a:ext cx="1850760" cy="2128680"/>
+            </p14:xfrm>
+          </p:contentPart>
+        </mc:Choice>
+        <mc:Fallback>
+          <p:pic>
+            <p:nvPicPr>
+              <p:cNvPr id="6" name="Ink 5">
+                <a:extLst>
+                  <a:ext uri="{FF2B5EF4-FFF2-40B4-BE49-F238E27FC236}">
+                    <a16:creationId xmlns:a16="http://schemas.microsoft.com/office/drawing/2014/main" id="{82912C09-1590-FD4C-A017-904D6A5A0DB1}"/>
+                  </a:ext>
+                </a:extLst>
+              </p:cNvPr>
+              <p:cNvPicPr/>
+              <p:nvPr/>
+            </p:nvPicPr>
+            <p:blipFill>
+              <a:blip r:embed="rId4"/>
+              <a:stretch>
+                <a:fillRect/>
+              </a:stretch>
+            </p:blipFill>
+            <p:spPr>
+              <a:xfrm>
+                <a:off x="234783" y="-37961"/>
+                <a:ext cx="1958400" cy="2344320"/>
+              </a:xfrm>
+              <a:prstGeom prst="rect">
+                <a:avLst/>
+              </a:prstGeom>
+            </p:spPr>
+          </p:pic>
+        </mc:Fallback>
+      </mc:AlternateContent>
     </p:spTree>
     <p:extLst>
       <p:ext uri="{BB962C8B-B14F-4D97-AF65-F5344CB8AC3E}">
